--- a/Capstone Project Presentation.pptx
+++ b/Capstone Project Presentation.pptx
@@ -7,6 +7,7 @@
   <p:sldIdLst>
     <p:sldId id="256" r:id="rId2"/>
     <p:sldId id="257" r:id="rId3"/>
+    <p:sldId id="258" r:id="rId4"/>
   </p:sldIdLst>
   <p:sldSz cx="12192000" cy="6858000"/>
   <p:notesSz cx="6858000" cy="9144000"/>
@@ -105,6 +106,11 @@
       </a:defRPr>
     </a:lvl9pPr>
   </p:defaultTextStyle>
+  <p:extLst>
+    <p:ext uri="{EFAFB233-063F-42B5-8137-9DF3F51BA10A}">
+      <p15:sldGuideLst xmlns:p15="http://schemas.microsoft.com/office/powerpoint/2012/main"/>
+    </p:ext>
+  </p:extLst>
 </p:presentation>
 </file>
 
@@ -255,7 +261,7 @@
           <a:p>
             <a:fld id="{4EF8B6EA-799C-47DE-AD4B-00C1A6C1BFA9}" type="datetimeFigureOut">
               <a:rPr lang="en-US" smtClean="0"/>
-              <a:t>6/17/2020</a:t>
+              <a:t>6/20/2020</a:t>
             </a:fld>
             <a:endParaRPr lang="en-US"/>
           </a:p>
@@ -453,7 +459,7 @@
           <a:p>
             <a:fld id="{4EF8B6EA-799C-47DE-AD4B-00C1A6C1BFA9}" type="datetimeFigureOut">
               <a:rPr lang="en-US" smtClean="0"/>
-              <a:t>6/17/2020</a:t>
+              <a:t>6/20/2020</a:t>
             </a:fld>
             <a:endParaRPr lang="en-US"/>
           </a:p>
@@ -661,7 +667,7 @@
           <a:p>
             <a:fld id="{4EF8B6EA-799C-47DE-AD4B-00C1A6C1BFA9}" type="datetimeFigureOut">
               <a:rPr lang="en-US" smtClean="0"/>
-              <a:t>6/17/2020</a:t>
+              <a:t>6/20/2020</a:t>
             </a:fld>
             <a:endParaRPr lang="en-US"/>
           </a:p>
@@ -859,7 +865,7 @@
           <a:p>
             <a:fld id="{4EF8B6EA-799C-47DE-AD4B-00C1A6C1BFA9}" type="datetimeFigureOut">
               <a:rPr lang="en-US" smtClean="0"/>
-              <a:t>6/17/2020</a:t>
+              <a:t>6/20/2020</a:t>
             </a:fld>
             <a:endParaRPr lang="en-US"/>
           </a:p>
@@ -1134,7 +1140,7 @@
           <a:p>
             <a:fld id="{4EF8B6EA-799C-47DE-AD4B-00C1A6C1BFA9}" type="datetimeFigureOut">
               <a:rPr lang="en-US" smtClean="0"/>
-              <a:t>6/17/2020</a:t>
+              <a:t>6/20/2020</a:t>
             </a:fld>
             <a:endParaRPr lang="en-US"/>
           </a:p>
@@ -1399,7 +1405,7 @@
           <a:p>
             <a:fld id="{4EF8B6EA-799C-47DE-AD4B-00C1A6C1BFA9}" type="datetimeFigureOut">
               <a:rPr lang="en-US" smtClean="0"/>
-              <a:t>6/17/2020</a:t>
+              <a:t>6/20/2020</a:t>
             </a:fld>
             <a:endParaRPr lang="en-US"/>
           </a:p>
@@ -1811,7 +1817,7 @@
           <a:p>
             <a:fld id="{4EF8B6EA-799C-47DE-AD4B-00C1A6C1BFA9}" type="datetimeFigureOut">
               <a:rPr lang="en-US" smtClean="0"/>
-              <a:t>6/17/2020</a:t>
+              <a:t>6/20/2020</a:t>
             </a:fld>
             <a:endParaRPr lang="en-US"/>
           </a:p>
@@ -1952,7 +1958,7 @@
           <a:p>
             <a:fld id="{4EF8B6EA-799C-47DE-AD4B-00C1A6C1BFA9}" type="datetimeFigureOut">
               <a:rPr lang="en-US" smtClean="0"/>
-              <a:t>6/17/2020</a:t>
+              <a:t>6/20/2020</a:t>
             </a:fld>
             <a:endParaRPr lang="en-US"/>
           </a:p>
@@ -2065,7 +2071,7 @@
           <a:p>
             <a:fld id="{4EF8B6EA-799C-47DE-AD4B-00C1A6C1BFA9}" type="datetimeFigureOut">
               <a:rPr lang="en-US" smtClean="0"/>
-              <a:t>6/17/2020</a:t>
+              <a:t>6/20/2020</a:t>
             </a:fld>
             <a:endParaRPr lang="en-US"/>
           </a:p>
@@ -2376,7 +2382,7 @@
           <a:p>
             <a:fld id="{4EF8B6EA-799C-47DE-AD4B-00C1A6C1BFA9}" type="datetimeFigureOut">
               <a:rPr lang="en-US" smtClean="0"/>
-              <a:t>6/17/2020</a:t>
+              <a:t>6/20/2020</a:t>
             </a:fld>
             <a:endParaRPr lang="en-US"/>
           </a:p>
@@ -2664,7 +2670,7 @@
           <a:p>
             <a:fld id="{4EF8B6EA-799C-47DE-AD4B-00C1A6C1BFA9}" type="datetimeFigureOut">
               <a:rPr lang="en-US" smtClean="0"/>
-              <a:t>6/17/2020</a:t>
+              <a:t>6/20/2020</a:t>
             </a:fld>
             <a:endParaRPr lang="en-US"/>
           </a:p>
@@ -2905,7 +2911,7 @@
           <a:p>
             <a:fld id="{4EF8B6EA-799C-47DE-AD4B-00C1A6C1BFA9}" type="datetimeFigureOut">
               <a:rPr lang="en-US" smtClean="0"/>
-              <a:t>6/17/2020</a:t>
+              <a:t>6/20/2020</a:t>
             </a:fld>
             <a:endParaRPr lang="en-US"/>
           </a:p>
@@ -3403,8 +3409,8 @@
         </p:nvSpPr>
         <p:spPr>
           <a:xfrm>
-            <a:off x="2570252" y="5147825"/>
-            <a:ext cx="5314543" cy="1380889"/>
+            <a:off x="3865652" y="5147825"/>
+            <a:ext cx="3782923" cy="1380889"/>
           </a:xfrm>
         </p:spPr>
         <p:txBody>
@@ -3413,12 +3419,14 @@
           </a:bodyPr>
           <a:lstStyle/>
           <a:p>
+            <a:pPr algn="r"/>
             <a:r>
               <a:rPr lang="en-US" dirty="0"/>
               <a:t>Presented by</a:t>
             </a:r>
           </a:p>
           <a:p>
+            <a:pPr algn="r"/>
             <a:r>
               <a:rPr lang="en-US" dirty="0"/>
               <a:t>Christina Hmun</a:t>
@@ -3432,7 +3440,7 @@
             </a:r>
           </a:p>
           <a:p>
-            <a:pPr indent="-228600" algn="l">
+            <a:pPr indent="-228600" algn="r">
               <a:buFont typeface="Arial" panose="020B0604020202020204" pitchFamily="34" charset="0"/>
               <a:buChar char="•"/>
             </a:pPr>
@@ -3734,7 +3742,7 @@
         </p:nvSpPr>
         <p:spPr>
           <a:xfrm>
-            <a:off x="1524000" y="944880"/>
+            <a:off x="947057" y="1565366"/>
             <a:ext cx="8798560" cy="2484120"/>
           </a:xfrm>
         </p:spPr>
@@ -3795,6 +3803,40 @@
                 <a:ea typeface="Verdana" panose="020B0604030504040204" pitchFamily="34" charset="0"/>
                 <a:cs typeface="Tahoma" panose="020B0604030504040204" pitchFamily="34" charset="0"/>
               </a:rPr>
+              <a:t>Number of Injury and Fatality </a:t>
+            </a:r>
+          </a:p>
+          <a:p>
+            <a:pPr algn="l">
+              <a:lnSpc>
+                <a:spcPct val="60000"/>
+              </a:lnSpc>
+            </a:pPr>
+            <a:endParaRPr lang="en-US" sz="4000" dirty="0">
+              <a:solidFill>
+                <a:schemeClr val="bg1"/>
+              </a:solidFill>
+              <a:latin typeface="+mj-lt"/>
+              <a:ea typeface="Verdana" panose="020B0604030504040204" pitchFamily="34" charset="0"/>
+              <a:cs typeface="Tahoma" panose="020B0604030504040204" pitchFamily="34" charset="0"/>
+            </a:endParaRPr>
+          </a:p>
+          <a:p>
+            <a:pPr marL="342900" indent="-342900" algn="l">
+              <a:lnSpc>
+                <a:spcPct val="60000"/>
+              </a:lnSpc>
+              <a:buFont typeface="Wingdings" panose="05000000000000000000" pitchFamily="2" charset="2"/>
+              <a:buChar char="§"/>
+            </a:pPr>
+            <a:r>
+              <a:rPr lang="en-US" sz="4000" dirty="0">
+                <a:solidFill>
+                  <a:schemeClr val="bg1"/>
+                </a:solidFill>
+                <a:ea typeface="Verdana" panose="020B0604030504040204" pitchFamily="34" charset="0"/>
+                <a:cs typeface="Tahoma" panose="020B0604030504040204" pitchFamily="34" charset="0"/>
+              </a:rPr>
               <a:t>Hit and Run, Property Damage involved</a:t>
             </a:r>
           </a:p>
@@ -3808,7 +3850,6 @@
               <a:solidFill>
                 <a:schemeClr val="bg1"/>
               </a:solidFill>
-              <a:latin typeface="+mj-lt"/>
               <a:ea typeface="Verdana" panose="020B0604030504040204" pitchFamily="34" charset="0"/>
               <a:cs typeface="Tahoma" panose="020B0604030504040204" pitchFamily="34" charset="0"/>
             </a:endParaRPr>
@@ -3821,16 +3862,54 @@
               <a:buFont typeface="Wingdings" panose="05000000000000000000" pitchFamily="2" charset="2"/>
               <a:buChar char="§"/>
             </a:pPr>
+            <a:endParaRPr lang="en-US" sz="4000" b="1" dirty="0">
+              <a:solidFill>
+                <a:schemeClr val="bg1"/>
+              </a:solidFill>
+              <a:latin typeface="+mj-lt"/>
+              <a:ea typeface="Verdana" panose="020B0604030504040204" pitchFamily="34" charset="0"/>
+              <a:cs typeface="Tahoma" panose="020B0604030504040204" pitchFamily="34" charset="0"/>
+            </a:endParaRPr>
+          </a:p>
+        </p:txBody>
+      </p:sp>
+      <p:sp>
+        <p:nvSpPr>
+          <p:cNvPr id="2" name="TextBox 1">
+            <a:extLst>
+              <a:ext uri="{FF2B5EF4-FFF2-40B4-BE49-F238E27FC236}">
+                <a16:creationId xmlns:a16="http://schemas.microsoft.com/office/drawing/2014/main" id="{F340E52E-5803-402C-B49B-C129F1D8C739}"/>
+              </a:ext>
+            </a:extLst>
+          </p:cNvPr>
+          <p:cNvSpPr txBox="1"/>
+          <p:nvPr/>
+        </p:nvSpPr>
+        <p:spPr>
+          <a:xfrm>
+            <a:off x="500744" y="511629"/>
+            <a:ext cx="6487886" cy="707886"/>
+          </a:xfrm>
+          <a:prstGeom prst="rect">
+            <a:avLst/>
+          </a:prstGeom>
+          <a:noFill/>
+        </p:spPr>
+        <p:txBody>
+          <a:bodyPr wrap="square" rtlCol="0">
+            <a:spAutoFit/>
+          </a:bodyPr>
+          <a:lstStyle/>
+          <a:p>
+            <a:pPr lvl="0"/>
             <a:r>
               <a:rPr lang="en-US" sz="4000" b="1" dirty="0">
                 <a:solidFill>
-                  <a:schemeClr val="bg1"/>
+                  <a:prstClr val="white"/>
                 </a:solidFill>
-                <a:latin typeface="+mj-lt"/>
-                <a:ea typeface="Verdana" panose="020B0604030504040204" pitchFamily="34" charset="0"/>
-                <a:cs typeface="Tahoma" panose="020B0604030504040204" pitchFamily="34" charset="0"/>
+                <a:latin typeface="Calibri Light" panose="020F0302020204030204"/>
               </a:rPr>
-              <a:t>Number of Injury and Fatality </a:t>
+              <a:t>What are the Questions?</a:t>
             </a:r>
           </a:p>
         </p:txBody>
@@ -4226,6 +4305,1154 @@
 </p:sld>
 </file>
 
+<file path=ppt/slides/slide3.xml><?xml version="1.0" encoding="utf-8"?>
+<p:sld xmlns:a="http://schemas.openxmlformats.org/drawingml/2006/main" xmlns:r="http://schemas.openxmlformats.org/officeDocument/2006/relationships" xmlns:p="http://schemas.openxmlformats.org/presentationml/2006/main">
+  <p:cSld>
+    <p:bg>
+      <p:bgPr>
+        <a:solidFill>
+          <a:srgbClr val="474747"/>
+        </a:solidFill>
+        <a:effectLst/>
+      </p:bgPr>
+    </p:bg>
+    <p:spTree>
+      <p:nvGrpSpPr>
+        <p:cNvPr id="1" name=""/>
+        <p:cNvGrpSpPr/>
+        <p:nvPr/>
+      </p:nvGrpSpPr>
+      <p:grpSpPr>
+        <a:xfrm>
+          <a:off x="0" y="0"/>
+          <a:ext cx="0" cy="0"/>
+          <a:chOff x="0" y="0"/>
+          <a:chExt cx="0" cy="0"/>
+        </a:xfrm>
+      </p:grpSpPr>
+      <p:sp>
+        <p:nvSpPr>
+          <p:cNvPr id="3" name="Subtitle 2">
+            <a:extLst>
+              <a:ext uri="{FF2B5EF4-FFF2-40B4-BE49-F238E27FC236}">
+                <a16:creationId xmlns:a16="http://schemas.microsoft.com/office/drawing/2014/main" id="{8E429013-5968-444B-861D-661CA4B8637E}"/>
+              </a:ext>
+            </a:extLst>
+          </p:cNvPr>
+          <p:cNvSpPr>
+            <a:spLocks noGrp="1"/>
+          </p:cNvSpPr>
+          <p:nvPr>
+            <p:ph type="subTitle" idx="1"/>
+          </p:nvPr>
+        </p:nvSpPr>
+        <p:spPr>
+          <a:xfrm>
+            <a:off x="228601" y="619125"/>
+            <a:ext cx="11820524" cy="5324475"/>
+          </a:xfrm>
+        </p:spPr>
+        <p:txBody>
+          <a:bodyPr>
+            <a:normAutofit/>
+          </a:bodyPr>
+          <a:lstStyle/>
+          <a:p>
+            <a:pPr marL="342900" indent="-342900" algn="l">
+              <a:lnSpc>
+                <a:spcPct val="60000"/>
+              </a:lnSpc>
+              <a:buFont typeface="Wingdings" panose="05000000000000000000" pitchFamily="2" charset="2"/>
+              <a:buChar char="§"/>
+            </a:pPr>
+            <a:r>
+              <a:rPr lang="en-US" sz="4000" b="1" dirty="0">
+                <a:solidFill>
+                  <a:schemeClr val="bg1"/>
+                </a:solidFill>
+                <a:latin typeface="+mj-lt"/>
+                <a:ea typeface="Verdana" panose="020B0604030504040204" pitchFamily="34" charset="0"/>
+                <a:cs typeface="Tahoma" panose="020B0604030504040204" pitchFamily="34" charset="0"/>
+              </a:rPr>
+              <a:t>Tools: Python, Excel, and Tableau</a:t>
+            </a:r>
+          </a:p>
+          <a:p>
+            <a:pPr algn="l">
+              <a:lnSpc>
+                <a:spcPct val="60000"/>
+              </a:lnSpc>
+            </a:pPr>
+            <a:endParaRPr lang="en-US" sz="4000" b="1" dirty="0">
+              <a:solidFill>
+                <a:schemeClr val="bg1"/>
+              </a:solidFill>
+              <a:latin typeface="+mj-lt"/>
+              <a:ea typeface="Verdana" panose="020B0604030504040204" pitchFamily="34" charset="0"/>
+              <a:cs typeface="Tahoma" panose="020B0604030504040204" pitchFamily="34" charset="0"/>
+            </a:endParaRPr>
+          </a:p>
+          <a:p>
+            <a:pPr marL="342900" indent="-342900" algn="l">
+              <a:lnSpc>
+                <a:spcPct val="60000"/>
+              </a:lnSpc>
+              <a:buFont typeface="Wingdings" panose="05000000000000000000" pitchFamily="2" charset="2"/>
+              <a:buChar char="§"/>
+            </a:pPr>
+            <a:r>
+              <a:rPr lang="en-US" sz="4000" b="1" dirty="0">
+                <a:solidFill>
+                  <a:schemeClr val="bg1"/>
+                </a:solidFill>
+                <a:latin typeface="+mj-lt"/>
+                <a:ea typeface="Verdana" panose="020B0604030504040204" pitchFamily="34" charset="0"/>
+                <a:cs typeface="Tahoma" panose="020B0604030504040204" pitchFamily="34" charset="0"/>
+              </a:rPr>
+              <a:t>Data Source:</a:t>
+            </a:r>
+          </a:p>
+          <a:p>
+            <a:pPr algn="l">
+              <a:lnSpc>
+                <a:spcPct val="60000"/>
+              </a:lnSpc>
+            </a:pPr>
+            <a:endParaRPr lang="en-US" b="1" dirty="0">
+              <a:solidFill>
+                <a:schemeClr val="bg1"/>
+              </a:solidFill>
+              <a:latin typeface="+mj-lt"/>
+              <a:ea typeface="Verdana" panose="020B0604030504040204" pitchFamily="34" charset="0"/>
+              <a:cs typeface="Tahoma" panose="020B0604030504040204" pitchFamily="34" charset="0"/>
+            </a:endParaRPr>
+          </a:p>
+          <a:p>
+            <a:pPr marL="800100" lvl="1" indent="-342900" algn="l">
+              <a:lnSpc>
+                <a:spcPct val="60000"/>
+              </a:lnSpc>
+              <a:buFont typeface="Wingdings" panose="05000000000000000000" pitchFamily="2" charset="2"/>
+              <a:buChar char="§"/>
+            </a:pPr>
+            <a:r>
+              <a:rPr lang="en-US" sz="2400" b="1" dirty="0">
+                <a:solidFill>
+                  <a:schemeClr val="bg1"/>
+                </a:solidFill>
+                <a:latin typeface="+mj-lt"/>
+                <a:ea typeface="Verdana" panose="020B0604030504040204" pitchFamily="34" charset="0"/>
+                <a:cs typeface="Tahoma" panose="020B0604030504040204" pitchFamily="34" charset="0"/>
+              </a:rPr>
+              <a:t>https://data.nashville.gov/Police/Traffic-Accidents-2019-/abyc-w6mc</a:t>
+            </a:r>
+          </a:p>
+          <a:p>
+            <a:pPr marL="800100" lvl="1" indent="-342900" algn="l">
+              <a:lnSpc>
+                <a:spcPct val="60000"/>
+              </a:lnSpc>
+              <a:buFont typeface="Wingdings" panose="05000000000000000000" pitchFamily="2" charset="2"/>
+              <a:buChar char="§"/>
+            </a:pPr>
+            <a:r>
+              <a:rPr lang="en-US" sz="2400" b="1" dirty="0">
+                <a:solidFill>
+                  <a:schemeClr val="bg1"/>
+                </a:solidFill>
+                <a:latin typeface="+mj-lt"/>
+                <a:ea typeface="Verdana" panose="020B0604030504040204" pitchFamily="34" charset="0"/>
+                <a:cs typeface="Tahoma" panose="020B0604030504040204" pitchFamily="34" charset="0"/>
+              </a:rPr>
+              <a:t>https://data.nashville.gov/Police/Traffic-Accidents-2018-/8kay-6qhc</a:t>
+            </a:r>
+          </a:p>
+          <a:p>
+            <a:pPr marL="800100" lvl="1" indent="-342900" algn="l">
+              <a:lnSpc>
+                <a:spcPct val="60000"/>
+              </a:lnSpc>
+              <a:buFont typeface="Wingdings" panose="05000000000000000000" pitchFamily="2" charset="2"/>
+              <a:buChar char="§"/>
+            </a:pPr>
+            <a:r>
+              <a:rPr lang="en-US" sz="2400" b="1" dirty="0">
+                <a:solidFill>
+                  <a:schemeClr val="bg1"/>
+                </a:solidFill>
+                <a:latin typeface="+mj-lt"/>
+                <a:ea typeface="Verdana" panose="020B0604030504040204" pitchFamily="34" charset="0"/>
+                <a:cs typeface="Tahoma" panose="020B0604030504040204" pitchFamily="34" charset="0"/>
+              </a:rPr>
+              <a:t>https://data.nashville.gov/Police/Traffic-Accidents-2017-/v6ss-vxgd</a:t>
+            </a:r>
+          </a:p>
+          <a:p>
+            <a:pPr marL="800100" lvl="1" indent="-342900" algn="l">
+              <a:lnSpc>
+                <a:spcPct val="60000"/>
+              </a:lnSpc>
+              <a:buFont typeface="Wingdings" panose="05000000000000000000" pitchFamily="2" charset="2"/>
+              <a:buChar char="§"/>
+            </a:pPr>
+            <a:r>
+              <a:rPr lang="en-US" sz="2400" b="1" dirty="0">
+                <a:solidFill>
+                  <a:schemeClr val="bg1"/>
+                </a:solidFill>
+                <a:latin typeface="+mj-lt"/>
+                <a:ea typeface="Verdana" panose="020B0604030504040204" pitchFamily="34" charset="0"/>
+                <a:cs typeface="Tahoma" panose="020B0604030504040204" pitchFamily="34" charset="0"/>
+              </a:rPr>
+              <a:t>https://data.nashville.gov/Police/Traffic-Accidents-2016-/p8j3-w8wi</a:t>
+            </a:r>
+          </a:p>
+          <a:p>
+            <a:pPr marL="800100" lvl="1" indent="-342900" algn="l">
+              <a:lnSpc>
+                <a:spcPct val="60000"/>
+              </a:lnSpc>
+              <a:buFont typeface="Wingdings" panose="05000000000000000000" pitchFamily="2" charset="2"/>
+              <a:buChar char="§"/>
+            </a:pPr>
+            <a:r>
+              <a:rPr lang="en-US" sz="2400" b="1" dirty="0">
+                <a:solidFill>
+                  <a:schemeClr val="bg1"/>
+                </a:solidFill>
+                <a:latin typeface="+mj-lt"/>
+                <a:ea typeface="Verdana" panose="020B0604030504040204" pitchFamily="34" charset="0"/>
+                <a:cs typeface="Tahoma" panose="020B0604030504040204" pitchFamily="34" charset="0"/>
+              </a:rPr>
+              <a:t>https://data.nashville.gov/Police/Traffic-Accidents-2015-/usum-h3s3</a:t>
+            </a:r>
+          </a:p>
+          <a:p>
+            <a:pPr marL="800100" lvl="1" indent="-342900" algn="l">
+              <a:lnSpc>
+                <a:spcPct val="60000"/>
+              </a:lnSpc>
+              <a:buFont typeface="Wingdings" panose="05000000000000000000" pitchFamily="2" charset="2"/>
+              <a:buChar char="§"/>
+            </a:pPr>
+            <a:r>
+              <a:rPr lang="en-US" sz="2400" b="1" dirty="0">
+                <a:solidFill>
+                  <a:schemeClr val="bg1"/>
+                </a:solidFill>
+                <a:latin typeface="+mj-lt"/>
+                <a:ea typeface="Verdana" panose="020B0604030504040204" pitchFamily="34" charset="0"/>
+                <a:cs typeface="Tahoma" panose="020B0604030504040204" pitchFamily="34" charset="0"/>
+              </a:rPr>
+              <a:t>https://www.tn.gov/tdot/long-range-planning-home/longrange-road-inventory/longrange-road-inventory-highway-performance-monitoring-system.html</a:t>
+            </a:r>
+          </a:p>
+          <a:p>
+            <a:pPr algn="l">
+              <a:lnSpc>
+                <a:spcPct val="60000"/>
+              </a:lnSpc>
+            </a:pPr>
+            <a:endParaRPr lang="en-US" sz="4000" b="1" dirty="0">
+              <a:solidFill>
+                <a:schemeClr val="bg1"/>
+              </a:solidFill>
+              <a:latin typeface="+mj-lt"/>
+              <a:ea typeface="Verdana" panose="020B0604030504040204" pitchFamily="34" charset="0"/>
+              <a:cs typeface="Tahoma" panose="020B0604030504040204" pitchFamily="34" charset="0"/>
+            </a:endParaRPr>
+          </a:p>
+          <a:p>
+            <a:pPr algn="l">
+              <a:lnSpc>
+                <a:spcPct val="60000"/>
+              </a:lnSpc>
+            </a:pPr>
+            <a:endParaRPr lang="en-US" b="1" dirty="0">
+              <a:solidFill>
+                <a:schemeClr val="bg1"/>
+              </a:solidFill>
+              <a:ea typeface="Verdana" panose="020B0604030504040204" pitchFamily="34" charset="0"/>
+              <a:cs typeface="Tahoma" panose="020B0604030504040204" pitchFamily="34" charset="0"/>
+            </a:endParaRPr>
+          </a:p>
+          <a:p>
+            <a:pPr marL="342900" indent="-342900" algn="l">
+              <a:lnSpc>
+                <a:spcPct val="60000"/>
+              </a:lnSpc>
+              <a:buFont typeface="Wingdings" panose="05000000000000000000" pitchFamily="2" charset="2"/>
+              <a:buChar char="§"/>
+            </a:pPr>
+            <a:endParaRPr lang="en-US" sz="4000" b="1" dirty="0">
+              <a:solidFill>
+                <a:schemeClr val="bg1"/>
+              </a:solidFill>
+              <a:latin typeface="+mj-lt"/>
+              <a:ea typeface="Verdana" panose="020B0604030504040204" pitchFamily="34" charset="0"/>
+              <a:cs typeface="Tahoma" panose="020B0604030504040204" pitchFamily="34" charset="0"/>
+            </a:endParaRPr>
+          </a:p>
+        </p:txBody>
+      </p:sp>
+    </p:spTree>
+    <p:extLst>
+      <p:ext uri="{BB962C8B-B14F-4D97-AF65-F5344CB8AC3E}">
+        <p14:creationId xmlns:p14="http://schemas.microsoft.com/office/powerpoint/2010/main" val="4171625626"/>
+      </p:ext>
+    </p:extLst>
+  </p:cSld>
+  <p:clrMapOvr>
+    <a:masterClrMapping/>
+  </p:clrMapOvr>
+  <p:timing>
+    <p:tnLst>
+      <p:par>
+        <p:cTn id="1" dur="indefinite" restart="never" nodeType="tmRoot">
+          <p:childTnLst>
+            <p:seq concurrent="1" nextAc="seek">
+              <p:cTn id="2" dur="indefinite" nodeType="mainSeq">
+                <p:childTnLst>
+                  <p:par>
+                    <p:cTn id="3" fill="hold">
+                      <p:stCondLst>
+                        <p:cond delay="indefinite"/>
+                      </p:stCondLst>
+                      <p:childTnLst>
+                        <p:par>
+                          <p:cTn id="4" fill="hold">
+                            <p:stCondLst>
+                              <p:cond delay="0"/>
+                            </p:stCondLst>
+                            <p:childTnLst>
+                              <p:par>
+                                <p:cTn id="5" presetID="53" presetClass="entr" presetSubtype="16" fill="hold" grpId="0" nodeType="clickEffect">
+                                  <p:stCondLst>
+                                    <p:cond delay="0"/>
+                                  </p:stCondLst>
+                                  <p:childTnLst>
+                                    <p:set>
+                                      <p:cBhvr>
+                                        <p:cTn id="6" dur="1" fill="hold">
+                                          <p:stCondLst>
+                                            <p:cond delay="0"/>
+                                          </p:stCondLst>
+                                        </p:cTn>
+                                        <p:tgtEl>
+                                          <p:spTgt spid="3">
+                                            <p:txEl>
+                                              <p:pRg st="0" end="0"/>
+                                            </p:txEl>
+                                          </p:spTgt>
+                                        </p:tgtEl>
+                                        <p:attrNameLst>
+                                          <p:attrName>style.visibility</p:attrName>
+                                        </p:attrNameLst>
+                                      </p:cBhvr>
+                                      <p:to>
+                                        <p:strVal val="visible"/>
+                                      </p:to>
+                                    </p:set>
+                                    <p:anim calcmode="lin" valueType="num">
+                                      <p:cBhvr>
+                                        <p:cTn id="7" dur="500" fill="hold"/>
+                                        <p:tgtEl>
+                                          <p:spTgt spid="3">
+                                            <p:txEl>
+                                              <p:pRg st="0" end="0"/>
+                                            </p:txEl>
+                                          </p:spTgt>
+                                        </p:tgtEl>
+                                        <p:attrNameLst>
+                                          <p:attrName>ppt_w</p:attrName>
+                                        </p:attrNameLst>
+                                      </p:cBhvr>
+                                      <p:tavLst>
+                                        <p:tav tm="0">
+                                          <p:val>
+                                            <p:fltVal val="0"/>
+                                          </p:val>
+                                        </p:tav>
+                                        <p:tav tm="100000">
+                                          <p:val>
+                                            <p:strVal val="#ppt_w"/>
+                                          </p:val>
+                                        </p:tav>
+                                      </p:tavLst>
+                                    </p:anim>
+                                    <p:anim calcmode="lin" valueType="num">
+                                      <p:cBhvr>
+                                        <p:cTn id="8" dur="500" fill="hold"/>
+                                        <p:tgtEl>
+                                          <p:spTgt spid="3">
+                                            <p:txEl>
+                                              <p:pRg st="0" end="0"/>
+                                            </p:txEl>
+                                          </p:spTgt>
+                                        </p:tgtEl>
+                                        <p:attrNameLst>
+                                          <p:attrName>ppt_h</p:attrName>
+                                        </p:attrNameLst>
+                                      </p:cBhvr>
+                                      <p:tavLst>
+                                        <p:tav tm="0">
+                                          <p:val>
+                                            <p:fltVal val="0"/>
+                                          </p:val>
+                                        </p:tav>
+                                        <p:tav tm="100000">
+                                          <p:val>
+                                            <p:strVal val="#ppt_h"/>
+                                          </p:val>
+                                        </p:tav>
+                                      </p:tavLst>
+                                    </p:anim>
+                                    <p:animEffect transition="in" filter="fade">
+                                      <p:cBhvr>
+                                        <p:cTn id="9" dur="500"/>
+                                        <p:tgtEl>
+                                          <p:spTgt spid="3">
+                                            <p:txEl>
+                                              <p:pRg st="0" end="0"/>
+                                            </p:txEl>
+                                          </p:spTgt>
+                                        </p:tgtEl>
+                                      </p:cBhvr>
+                                    </p:animEffect>
+                                  </p:childTnLst>
+                                </p:cTn>
+                              </p:par>
+                            </p:childTnLst>
+                          </p:cTn>
+                        </p:par>
+                      </p:childTnLst>
+                    </p:cTn>
+                  </p:par>
+                  <p:par>
+                    <p:cTn id="10" fill="hold">
+                      <p:stCondLst>
+                        <p:cond delay="indefinite"/>
+                      </p:stCondLst>
+                      <p:childTnLst>
+                        <p:par>
+                          <p:cTn id="11" fill="hold">
+                            <p:stCondLst>
+                              <p:cond delay="0"/>
+                            </p:stCondLst>
+                            <p:childTnLst>
+                              <p:par>
+                                <p:cTn id="12" presetID="53" presetClass="entr" presetSubtype="16" fill="hold" grpId="0" nodeType="clickEffect">
+                                  <p:stCondLst>
+                                    <p:cond delay="0"/>
+                                  </p:stCondLst>
+                                  <p:childTnLst>
+                                    <p:set>
+                                      <p:cBhvr>
+                                        <p:cTn id="13" dur="1" fill="hold">
+                                          <p:stCondLst>
+                                            <p:cond delay="0"/>
+                                          </p:stCondLst>
+                                        </p:cTn>
+                                        <p:tgtEl>
+                                          <p:spTgt spid="3">
+                                            <p:txEl>
+                                              <p:pRg st="2" end="2"/>
+                                            </p:txEl>
+                                          </p:spTgt>
+                                        </p:tgtEl>
+                                        <p:attrNameLst>
+                                          <p:attrName>style.visibility</p:attrName>
+                                        </p:attrNameLst>
+                                      </p:cBhvr>
+                                      <p:to>
+                                        <p:strVal val="visible"/>
+                                      </p:to>
+                                    </p:set>
+                                    <p:anim calcmode="lin" valueType="num">
+                                      <p:cBhvr>
+                                        <p:cTn id="14" dur="500" fill="hold"/>
+                                        <p:tgtEl>
+                                          <p:spTgt spid="3">
+                                            <p:txEl>
+                                              <p:pRg st="2" end="2"/>
+                                            </p:txEl>
+                                          </p:spTgt>
+                                        </p:tgtEl>
+                                        <p:attrNameLst>
+                                          <p:attrName>ppt_w</p:attrName>
+                                        </p:attrNameLst>
+                                      </p:cBhvr>
+                                      <p:tavLst>
+                                        <p:tav tm="0">
+                                          <p:val>
+                                            <p:fltVal val="0"/>
+                                          </p:val>
+                                        </p:tav>
+                                        <p:tav tm="100000">
+                                          <p:val>
+                                            <p:strVal val="#ppt_w"/>
+                                          </p:val>
+                                        </p:tav>
+                                      </p:tavLst>
+                                    </p:anim>
+                                    <p:anim calcmode="lin" valueType="num">
+                                      <p:cBhvr>
+                                        <p:cTn id="15" dur="500" fill="hold"/>
+                                        <p:tgtEl>
+                                          <p:spTgt spid="3">
+                                            <p:txEl>
+                                              <p:pRg st="2" end="2"/>
+                                            </p:txEl>
+                                          </p:spTgt>
+                                        </p:tgtEl>
+                                        <p:attrNameLst>
+                                          <p:attrName>ppt_h</p:attrName>
+                                        </p:attrNameLst>
+                                      </p:cBhvr>
+                                      <p:tavLst>
+                                        <p:tav tm="0">
+                                          <p:val>
+                                            <p:fltVal val="0"/>
+                                          </p:val>
+                                        </p:tav>
+                                        <p:tav tm="100000">
+                                          <p:val>
+                                            <p:strVal val="#ppt_h"/>
+                                          </p:val>
+                                        </p:tav>
+                                      </p:tavLst>
+                                    </p:anim>
+                                    <p:animEffect transition="in" filter="fade">
+                                      <p:cBhvr>
+                                        <p:cTn id="16" dur="500"/>
+                                        <p:tgtEl>
+                                          <p:spTgt spid="3">
+                                            <p:txEl>
+                                              <p:pRg st="2" end="2"/>
+                                            </p:txEl>
+                                          </p:spTgt>
+                                        </p:tgtEl>
+                                      </p:cBhvr>
+                                    </p:animEffect>
+                                  </p:childTnLst>
+                                </p:cTn>
+                              </p:par>
+                              <p:par>
+                                <p:cTn id="17" presetID="53" presetClass="entr" presetSubtype="16" fill="hold" grpId="0" nodeType="withEffect">
+                                  <p:stCondLst>
+                                    <p:cond delay="0"/>
+                                  </p:stCondLst>
+                                  <p:childTnLst>
+                                    <p:set>
+                                      <p:cBhvr>
+                                        <p:cTn id="18" dur="1" fill="hold">
+                                          <p:stCondLst>
+                                            <p:cond delay="0"/>
+                                          </p:stCondLst>
+                                        </p:cTn>
+                                        <p:tgtEl>
+                                          <p:spTgt spid="3">
+                                            <p:txEl>
+                                              <p:pRg st="4" end="4"/>
+                                            </p:txEl>
+                                          </p:spTgt>
+                                        </p:tgtEl>
+                                        <p:attrNameLst>
+                                          <p:attrName>style.visibility</p:attrName>
+                                        </p:attrNameLst>
+                                      </p:cBhvr>
+                                      <p:to>
+                                        <p:strVal val="visible"/>
+                                      </p:to>
+                                    </p:set>
+                                    <p:anim calcmode="lin" valueType="num">
+                                      <p:cBhvr>
+                                        <p:cTn id="19" dur="500" fill="hold"/>
+                                        <p:tgtEl>
+                                          <p:spTgt spid="3">
+                                            <p:txEl>
+                                              <p:pRg st="4" end="4"/>
+                                            </p:txEl>
+                                          </p:spTgt>
+                                        </p:tgtEl>
+                                        <p:attrNameLst>
+                                          <p:attrName>ppt_w</p:attrName>
+                                        </p:attrNameLst>
+                                      </p:cBhvr>
+                                      <p:tavLst>
+                                        <p:tav tm="0">
+                                          <p:val>
+                                            <p:fltVal val="0"/>
+                                          </p:val>
+                                        </p:tav>
+                                        <p:tav tm="100000">
+                                          <p:val>
+                                            <p:strVal val="#ppt_w"/>
+                                          </p:val>
+                                        </p:tav>
+                                      </p:tavLst>
+                                    </p:anim>
+                                    <p:anim calcmode="lin" valueType="num">
+                                      <p:cBhvr>
+                                        <p:cTn id="20" dur="500" fill="hold"/>
+                                        <p:tgtEl>
+                                          <p:spTgt spid="3">
+                                            <p:txEl>
+                                              <p:pRg st="4" end="4"/>
+                                            </p:txEl>
+                                          </p:spTgt>
+                                        </p:tgtEl>
+                                        <p:attrNameLst>
+                                          <p:attrName>ppt_h</p:attrName>
+                                        </p:attrNameLst>
+                                      </p:cBhvr>
+                                      <p:tavLst>
+                                        <p:tav tm="0">
+                                          <p:val>
+                                            <p:fltVal val="0"/>
+                                          </p:val>
+                                        </p:tav>
+                                        <p:tav tm="100000">
+                                          <p:val>
+                                            <p:strVal val="#ppt_h"/>
+                                          </p:val>
+                                        </p:tav>
+                                      </p:tavLst>
+                                    </p:anim>
+                                    <p:animEffect transition="in" filter="fade">
+                                      <p:cBhvr>
+                                        <p:cTn id="21" dur="500"/>
+                                        <p:tgtEl>
+                                          <p:spTgt spid="3">
+                                            <p:txEl>
+                                              <p:pRg st="4" end="4"/>
+                                            </p:txEl>
+                                          </p:spTgt>
+                                        </p:tgtEl>
+                                      </p:cBhvr>
+                                    </p:animEffect>
+                                  </p:childTnLst>
+                                </p:cTn>
+                              </p:par>
+                              <p:par>
+                                <p:cTn id="22" presetID="53" presetClass="entr" presetSubtype="16" fill="hold" grpId="0" nodeType="withEffect">
+                                  <p:stCondLst>
+                                    <p:cond delay="0"/>
+                                  </p:stCondLst>
+                                  <p:childTnLst>
+                                    <p:set>
+                                      <p:cBhvr>
+                                        <p:cTn id="23" dur="1" fill="hold">
+                                          <p:stCondLst>
+                                            <p:cond delay="0"/>
+                                          </p:stCondLst>
+                                        </p:cTn>
+                                        <p:tgtEl>
+                                          <p:spTgt spid="3">
+                                            <p:txEl>
+                                              <p:pRg st="5" end="5"/>
+                                            </p:txEl>
+                                          </p:spTgt>
+                                        </p:tgtEl>
+                                        <p:attrNameLst>
+                                          <p:attrName>style.visibility</p:attrName>
+                                        </p:attrNameLst>
+                                      </p:cBhvr>
+                                      <p:to>
+                                        <p:strVal val="visible"/>
+                                      </p:to>
+                                    </p:set>
+                                    <p:anim calcmode="lin" valueType="num">
+                                      <p:cBhvr>
+                                        <p:cTn id="24" dur="500" fill="hold"/>
+                                        <p:tgtEl>
+                                          <p:spTgt spid="3">
+                                            <p:txEl>
+                                              <p:pRg st="5" end="5"/>
+                                            </p:txEl>
+                                          </p:spTgt>
+                                        </p:tgtEl>
+                                        <p:attrNameLst>
+                                          <p:attrName>ppt_w</p:attrName>
+                                        </p:attrNameLst>
+                                      </p:cBhvr>
+                                      <p:tavLst>
+                                        <p:tav tm="0">
+                                          <p:val>
+                                            <p:fltVal val="0"/>
+                                          </p:val>
+                                        </p:tav>
+                                        <p:tav tm="100000">
+                                          <p:val>
+                                            <p:strVal val="#ppt_w"/>
+                                          </p:val>
+                                        </p:tav>
+                                      </p:tavLst>
+                                    </p:anim>
+                                    <p:anim calcmode="lin" valueType="num">
+                                      <p:cBhvr>
+                                        <p:cTn id="25" dur="500" fill="hold"/>
+                                        <p:tgtEl>
+                                          <p:spTgt spid="3">
+                                            <p:txEl>
+                                              <p:pRg st="5" end="5"/>
+                                            </p:txEl>
+                                          </p:spTgt>
+                                        </p:tgtEl>
+                                        <p:attrNameLst>
+                                          <p:attrName>ppt_h</p:attrName>
+                                        </p:attrNameLst>
+                                      </p:cBhvr>
+                                      <p:tavLst>
+                                        <p:tav tm="0">
+                                          <p:val>
+                                            <p:fltVal val="0"/>
+                                          </p:val>
+                                        </p:tav>
+                                        <p:tav tm="100000">
+                                          <p:val>
+                                            <p:strVal val="#ppt_h"/>
+                                          </p:val>
+                                        </p:tav>
+                                      </p:tavLst>
+                                    </p:anim>
+                                    <p:animEffect transition="in" filter="fade">
+                                      <p:cBhvr>
+                                        <p:cTn id="26" dur="500"/>
+                                        <p:tgtEl>
+                                          <p:spTgt spid="3">
+                                            <p:txEl>
+                                              <p:pRg st="5" end="5"/>
+                                            </p:txEl>
+                                          </p:spTgt>
+                                        </p:tgtEl>
+                                      </p:cBhvr>
+                                    </p:animEffect>
+                                  </p:childTnLst>
+                                </p:cTn>
+                              </p:par>
+                              <p:par>
+                                <p:cTn id="27" presetID="53" presetClass="entr" presetSubtype="16" fill="hold" grpId="0" nodeType="withEffect">
+                                  <p:stCondLst>
+                                    <p:cond delay="0"/>
+                                  </p:stCondLst>
+                                  <p:childTnLst>
+                                    <p:set>
+                                      <p:cBhvr>
+                                        <p:cTn id="28" dur="1" fill="hold">
+                                          <p:stCondLst>
+                                            <p:cond delay="0"/>
+                                          </p:stCondLst>
+                                        </p:cTn>
+                                        <p:tgtEl>
+                                          <p:spTgt spid="3">
+                                            <p:txEl>
+                                              <p:pRg st="6" end="6"/>
+                                            </p:txEl>
+                                          </p:spTgt>
+                                        </p:tgtEl>
+                                        <p:attrNameLst>
+                                          <p:attrName>style.visibility</p:attrName>
+                                        </p:attrNameLst>
+                                      </p:cBhvr>
+                                      <p:to>
+                                        <p:strVal val="visible"/>
+                                      </p:to>
+                                    </p:set>
+                                    <p:anim calcmode="lin" valueType="num">
+                                      <p:cBhvr>
+                                        <p:cTn id="29" dur="500" fill="hold"/>
+                                        <p:tgtEl>
+                                          <p:spTgt spid="3">
+                                            <p:txEl>
+                                              <p:pRg st="6" end="6"/>
+                                            </p:txEl>
+                                          </p:spTgt>
+                                        </p:tgtEl>
+                                        <p:attrNameLst>
+                                          <p:attrName>ppt_w</p:attrName>
+                                        </p:attrNameLst>
+                                      </p:cBhvr>
+                                      <p:tavLst>
+                                        <p:tav tm="0">
+                                          <p:val>
+                                            <p:fltVal val="0"/>
+                                          </p:val>
+                                        </p:tav>
+                                        <p:tav tm="100000">
+                                          <p:val>
+                                            <p:strVal val="#ppt_w"/>
+                                          </p:val>
+                                        </p:tav>
+                                      </p:tavLst>
+                                    </p:anim>
+                                    <p:anim calcmode="lin" valueType="num">
+                                      <p:cBhvr>
+                                        <p:cTn id="30" dur="500" fill="hold"/>
+                                        <p:tgtEl>
+                                          <p:spTgt spid="3">
+                                            <p:txEl>
+                                              <p:pRg st="6" end="6"/>
+                                            </p:txEl>
+                                          </p:spTgt>
+                                        </p:tgtEl>
+                                        <p:attrNameLst>
+                                          <p:attrName>ppt_h</p:attrName>
+                                        </p:attrNameLst>
+                                      </p:cBhvr>
+                                      <p:tavLst>
+                                        <p:tav tm="0">
+                                          <p:val>
+                                            <p:fltVal val="0"/>
+                                          </p:val>
+                                        </p:tav>
+                                        <p:tav tm="100000">
+                                          <p:val>
+                                            <p:strVal val="#ppt_h"/>
+                                          </p:val>
+                                        </p:tav>
+                                      </p:tavLst>
+                                    </p:anim>
+                                    <p:animEffect transition="in" filter="fade">
+                                      <p:cBhvr>
+                                        <p:cTn id="31" dur="500"/>
+                                        <p:tgtEl>
+                                          <p:spTgt spid="3">
+                                            <p:txEl>
+                                              <p:pRg st="6" end="6"/>
+                                            </p:txEl>
+                                          </p:spTgt>
+                                        </p:tgtEl>
+                                      </p:cBhvr>
+                                    </p:animEffect>
+                                  </p:childTnLst>
+                                </p:cTn>
+                              </p:par>
+                              <p:par>
+                                <p:cTn id="32" presetID="53" presetClass="entr" presetSubtype="16" fill="hold" grpId="0" nodeType="withEffect">
+                                  <p:stCondLst>
+                                    <p:cond delay="0"/>
+                                  </p:stCondLst>
+                                  <p:childTnLst>
+                                    <p:set>
+                                      <p:cBhvr>
+                                        <p:cTn id="33" dur="1" fill="hold">
+                                          <p:stCondLst>
+                                            <p:cond delay="0"/>
+                                          </p:stCondLst>
+                                        </p:cTn>
+                                        <p:tgtEl>
+                                          <p:spTgt spid="3">
+                                            <p:txEl>
+                                              <p:pRg st="7" end="7"/>
+                                            </p:txEl>
+                                          </p:spTgt>
+                                        </p:tgtEl>
+                                        <p:attrNameLst>
+                                          <p:attrName>style.visibility</p:attrName>
+                                        </p:attrNameLst>
+                                      </p:cBhvr>
+                                      <p:to>
+                                        <p:strVal val="visible"/>
+                                      </p:to>
+                                    </p:set>
+                                    <p:anim calcmode="lin" valueType="num">
+                                      <p:cBhvr>
+                                        <p:cTn id="34" dur="500" fill="hold"/>
+                                        <p:tgtEl>
+                                          <p:spTgt spid="3">
+                                            <p:txEl>
+                                              <p:pRg st="7" end="7"/>
+                                            </p:txEl>
+                                          </p:spTgt>
+                                        </p:tgtEl>
+                                        <p:attrNameLst>
+                                          <p:attrName>ppt_w</p:attrName>
+                                        </p:attrNameLst>
+                                      </p:cBhvr>
+                                      <p:tavLst>
+                                        <p:tav tm="0">
+                                          <p:val>
+                                            <p:fltVal val="0"/>
+                                          </p:val>
+                                        </p:tav>
+                                        <p:tav tm="100000">
+                                          <p:val>
+                                            <p:strVal val="#ppt_w"/>
+                                          </p:val>
+                                        </p:tav>
+                                      </p:tavLst>
+                                    </p:anim>
+                                    <p:anim calcmode="lin" valueType="num">
+                                      <p:cBhvr>
+                                        <p:cTn id="35" dur="500" fill="hold"/>
+                                        <p:tgtEl>
+                                          <p:spTgt spid="3">
+                                            <p:txEl>
+                                              <p:pRg st="7" end="7"/>
+                                            </p:txEl>
+                                          </p:spTgt>
+                                        </p:tgtEl>
+                                        <p:attrNameLst>
+                                          <p:attrName>ppt_h</p:attrName>
+                                        </p:attrNameLst>
+                                      </p:cBhvr>
+                                      <p:tavLst>
+                                        <p:tav tm="0">
+                                          <p:val>
+                                            <p:fltVal val="0"/>
+                                          </p:val>
+                                        </p:tav>
+                                        <p:tav tm="100000">
+                                          <p:val>
+                                            <p:strVal val="#ppt_h"/>
+                                          </p:val>
+                                        </p:tav>
+                                      </p:tavLst>
+                                    </p:anim>
+                                    <p:animEffect transition="in" filter="fade">
+                                      <p:cBhvr>
+                                        <p:cTn id="36" dur="500"/>
+                                        <p:tgtEl>
+                                          <p:spTgt spid="3">
+                                            <p:txEl>
+                                              <p:pRg st="7" end="7"/>
+                                            </p:txEl>
+                                          </p:spTgt>
+                                        </p:tgtEl>
+                                      </p:cBhvr>
+                                    </p:animEffect>
+                                  </p:childTnLst>
+                                </p:cTn>
+                              </p:par>
+                              <p:par>
+                                <p:cTn id="37" presetID="53" presetClass="entr" presetSubtype="16" fill="hold" grpId="0" nodeType="withEffect">
+                                  <p:stCondLst>
+                                    <p:cond delay="0"/>
+                                  </p:stCondLst>
+                                  <p:childTnLst>
+                                    <p:set>
+                                      <p:cBhvr>
+                                        <p:cTn id="38" dur="1" fill="hold">
+                                          <p:stCondLst>
+                                            <p:cond delay="0"/>
+                                          </p:stCondLst>
+                                        </p:cTn>
+                                        <p:tgtEl>
+                                          <p:spTgt spid="3">
+                                            <p:txEl>
+                                              <p:pRg st="8" end="8"/>
+                                            </p:txEl>
+                                          </p:spTgt>
+                                        </p:tgtEl>
+                                        <p:attrNameLst>
+                                          <p:attrName>style.visibility</p:attrName>
+                                        </p:attrNameLst>
+                                      </p:cBhvr>
+                                      <p:to>
+                                        <p:strVal val="visible"/>
+                                      </p:to>
+                                    </p:set>
+                                    <p:anim calcmode="lin" valueType="num">
+                                      <p:cBhvr>
+                                        <p:cTn id="39" dur="500" fill="hold"/>
+                                        <p:tgtEl>
+                                          <p:spTgt spid="3">
+                                            <p:txEl>
+                                              <p:pRg st="8" end="8"/>
+                                            </p:txEl>
+                                          </p:spTgt>
+                                        </p:tgtEl>
+                                        <p:attrNameLst>
+                                          <p:attrName>ppt_w</p:attrName>
+                                        </p:attrNameLst>
+                                      </p:cBhvr>
+                                      <p:tavLst>
+                                        <p:tav tm="0">
+                                          <p:val>
+                                            <p:fltVal val="0"/>
+                                          </p:val>
+                                        </p:tav>
+                                        <p:tav tm="100000">
+                                          <p:val>
+                                            <p:strVal val="#ppt_w"/>
+                                          </p:val>
+                                        </p:tav>
+                                      </p:tavLst>
+                                    </p:anim>
+                                    <p:anim calcmode="lin" valueType="num">
+                                      <p:cBhvr>
+                                        <p:cTn id="40" dur="500" fill="hold"/>
+                                        <p:tgtEl>
+                                          <p:spTgt spid="3">
+                                            <p:txEl>
+                                              <p:pRg st="8" end="8"/>
+                                            </p:txEl>
+                                          </p:spTgt>
+                                        </p:tgtEl>
+                                        <p:attrNameLst>
+                                          <p:attrName>ppt_h</p:attrName>
+                                        </p:attrNameLst>
+                                      </p:cBhvr>
+                                      <p:tavLst>
+                                        <p:tav tm="0">
+                                          <p:val>
+                                            <p:fltVal val="0"/>
+                                          </p:val>
+                                        </p:tav>
+                                        <p:tav tm="100000">
+                                          <p:val>
+                                            <p:strVal val="#ppt_h"/>
+                                          </p:val>
+                                        </p:tav>
+                                      </p:tavLst>
+                                    </p:anim>
+                                    <p:animEffect transition="in" filter="fade">
+                                      <p:cBhvr>
+                                        <p:cTn id="41" dur="500"/>
+                                        <p:tgtEl>
+                                          <p:spTgt spid="3">
+                                            <p:txEl>
+                                              <p:pRg st="8" end="8"/>
+                                            </p:txEl>
+                                          </p:spTgt>
+                                        </p:tgtEl>
+                                      </p:cBhvr>
+                                    </p:animEffect>
+                                  </p:childTnLst>
+                                </p:cTn>
+                              </p:par>
+                              <p:par>
+                                <p:cTn id="42" presetID="53" presetClass="entr" presetSubtype="16" fill="hold" grpId="0" nodeType="withEffect">
+                                  <p:stCondLst>
+                                    <p:cond delay="0"/>
+                                  </p:stCondLst>
+                                  <p:childTnLst>
+                                    <p:set>
+                                      <p:cBhvr>
+                                        <p:cTn id="43" dur="1" fill="hold">
+                                          <p:stCondLst>
+                                            <p:cond delay="0"/>
+                                          </p:stCondLst>
+                                        </p:cTn>
+                                        <p:tgtEl>
+                                          <p:spTgt spid="3">
+                                            <p:txEl>
+                                              <p:pRg st="9" end="9"/>
+                                            </p:txEl>
+                                          </p:spTgt>
+                                        </p:tgtEl>
+                                        <p:attrNameLst>
+                                          <p:attrName>style.visibility</p:attrName>
+                                        </p:attrNameLst>
+                                      </p:cBhvr>
+                                      <p:to>
+                                        <p:strVal val="visible"/>
+                                      </p:to>
+                                    </p:set>
+                                    <p:anim calcmode="lin" valueType="num">
+                                      <p:cBhvr>
+                                        <p:cTn id="44" dur="500" fill="hold"/>
+                                        <p:tgtEl>
+                                          <p:spTgt spid="3">
+                                            <p:txEl>
+                                              <p:pRg st="9" end="9"/>
+                                            </p:txEl>
+                                          </p:spTgt>
+                                        </p:tgtEl>
+                                        <p:attrNameLst>
+                                          <p:attrName>ppt_w</p:attrName>
+                                        </p:attrNameLst>
+                                      </p:cBhvr>
+                                      <p:tavLst>
+                                        <p:tav tm="0">
+                                          <p:val>
+                                            <p:fltVal val="0"/>
+                                          </p:val>
+                                        </p:tav>
+                                        <p:tav tm="100000">
+                                          <p:val>
+                                            <p:strVal val="#ppt_w"/>
+                                          </p:val>
+                                        </p:tav>
+                                      </p:tavLst>
+                                    </p:anim>
+                                    <p:anim calcmode="lin" valueType="num">
+                                      <p:cBhvr>
+                                        <p:cTn id="45" dur="500" fill="hold"/>
+                                        <p:tgtEl>
+                                          <p:spTgt spid="3">
+                                            <p:txEl>
+                                              <p:pRg st="9" end="9"/>
+                                            </p:txEl>
+                                          </p:spTgt>
+                                        </p:tgtEl>
+                                        <p:attrNameLst>
+                                          <p:attrName>ppt_h</p:attrName>
+                                        </p:attrNameLst>
+                                      </p:cBhvr>
+                                      <p:tavLst>
+                                        <p:tav tm="0">
+                                          <p:val>
+                                            <p:fltVal val="0"/>
+                                          </p:val>
+                                        </p:tav>
+                                        <p:tav tm="100000">
+                                          <p:val>
+                                            <p:strVal val="#ppt_h"/>
+                                          </p:val>
+                                        </p:tav>
+                                      </p:tavLst>
+                                    </p:anim>
+                                    <p:animEffect transition="in" filter="fade">
+                                      <p:cBhvr>
+                                        <p:cTn id="46" dur="500"/>
+                                        <p:tgtEl>
+                                          <p:spTgt spid="3">
+                                            <p:txEl>
+                                              <p:pRg st="9" end="9"/>
+                                            </p:txEl>
+                                          </p:spTgt>
+                                        </p:tgtEl>
+                                      </p:cBhvr>
+                                    </p:animEffect>
+                                  </p:childTnLst>
+                                </p:cTn>
+                              </p:par>
+                            </p:childTnLst>
+                          </p:cTn>
+                        </p:par>
+                      </p:childTnLst>
+                    </p:cTn>
+                  </p:par>
+                </p:childTnLst>
+              </p:cTn>
+              <p:prevCondLst>
+                <p:cond evt="onPrev" delay="0">
+                  <p:tgtEl>
+                    <p:sldTgt/>
+                  </p:tgtEl>
+                </p:cond>
+              </p:prevCondLst>
+              <p:nextCondLst>
+                <p:cond evt="onNext" delay="0">
+                  <p:tgtEl>
+                    <p:sldTgt/>
+                  </p:tgtEl>
+                </p:cond>
+              </p:nextCondLst>
+            </p:seq>
+          </p:childTnLst>
+        </p:cTn>
+      </p:par>
+    </p:tnLst>
+    <p:bldLst>
+      <p:bldP spid="3" grpId="0" uiExpand="1" build="p"/>
+    </p:bldLst>
+  </p:timing>
+</p:sld>
+</file>
+
 <file path=ppt/theme/theme1.xml><?xml version="1.0" encoding="utf-8"?>
 <a:theme xmlns:a="http://schemas.openxmlformats.org/drawingml/2006/main" name="Office Theme">
   <a:themeElements>

--- a/Capstone Project Presentation.pptx
+++ b/Capstone Project Presentation.pptx
@@ -4348,8 +4348,8 @@
         </p:nvSpPr>
         <p:spPr>
           <a:xfrm>
-            <a:off x="228601" y="619125"/>
-            <a:ext cx="11820524" cy="5324475"/>
+            <a:off x="228601" y="971550"/>
+            <a:ext cx="11820524" cy="4286250"/>
           </a:xfrm>
         </p:spPr>
         <p:txBody>
@@ -4409,7 +4409,7 @@
                 <a:ea typeface="Verdana" panose="020B0604030504040204" pitchFamily="34" charset="0"/>
                 <a:cs typeface="Tahoma" panose="020B0604030504040204" pitchFamily="34" charset="0"/>
               </a:rPr>
-              <a:t>Data Source:</a:t>
+              <a:t>Data Sources:</a:t>
             </a:r>
           </a:p>
           <a:p>
@@ -4543,17 +4543,17 @@
                 <a:latin typeface="+mj-lt"/>
                 <a:ea typeface="Verdana" panose="020B0604030504040204" pitchFamily="34" charset="0"/>
                 <a:cs typeface="Tahoma" panose="020B0604030504040204" pitchFamily="34" charset="0"/>
+                <a:hlinkClick r:id="rId2">
+                  <a:extLst>
+                    <a:ext uri="{A12FA001-AC4F-418D-AE19-62706E023703}">
+                      <ahyp:hlinkClr xmlns:ahyp="http://schemas.microsoft.com/office/drawing/2018/hyperlinkcolor" val="tx"/>
+                    </a:ext>
+                  </a:extLst>
+                </a:hlinkClick>
               </a:rPr>
               <a:t>https://www.tn.gov/tdot/long-range-planning-home/longrange-road-inventory/longrange-road-inventory-highway-performance-monitoring-system.html</a:t>
             </a:r>
-          </a:p>
-          <a:p>
-            <a:pPr algn="l">
-              <a:lnSpc>
-                <a:spcPct val="60000"/>
-              </a:lnSpc>
-            </a:pPr>
-            <a:endParaRPr lang="en-US" sz="4000" b="1" dirty="0">
+            <a:endParaRPr lang="en-US" sz="2400" b="1" dirty="0">
               <a:solidFill>
                 <a:schemeClr val="bg1"/>
               </a:solidFill>
@@ -4563,11 +4563,43 @@
             </a:endParaRPr>
           </a:p>
           <a:p>
-            <a:pPr algn="l">
+            <a:pPr marL="800100" lvl="1" indent="-342900" algn="l">
               <a:lnSpc>
                 <a:spcPct val="60000"/>
               </a:lnSpc>
+              <a:buFont typeface="Wingdings" panose="05000000000000000000" pitchFamily="2" charset="2"/>
+              <a:buChar char="§"/>
             </a:pPr>
+            <a:r>
+              <a:rPr lang="fr-FR" b="1" dirty="0">
+                <a:solidFill>
+                  <a:schemeClr val="bg1"/>
+                </a:solidFill>
+                <a:ea typeface="Verdana" panose="020B0604030504040204" pitchFamily="34" charset="0"/>
+                <a:cs typeface="Tahoma" panose="020B0604030504040204" pitchFamily="34" charset="0"/>
+              </a:rPr>
+              <a:t>U.S. </a:t>
+            </a:r>
+            <a:r>
+              <a:rPr lang="fr-FR" b="1" dirty="0" err="1">
+                <a:solidFill>
+                  <a:schemeClr val="bg1"/>
+                </a:solidFill>
+                <a:ea typeface="Verdana" panose="020B0604030504040204" pitchFamily="34" charset="0"/>
+                <a:cs typeface="Tahoma" panose="020B0604030504040204" pitchFamily="34" charset="0"/>
+              </a:rPr>
+              <a:t>Census</a:t>
+            </a:r>
+            <a:r>
+              <a:rPr lang="fr-FR" b="1" dirty="0">
+                <a:solidFill>
+                  <a:schemeClr val="bg1"/>
+                </a:solidFill>
+                <a:ea typeface="Verdana" panose="020B0604030504040204" pitchFamily="34" charset="0"/>
+                <a:cs typeface="Tahoma" panose="020B0604030504040204" pitchFamily="34" charset="0"/>
+              </a:rPr>
+              <a:t> Bureau, Population Division</a:t>
+            </a:r>
             <a:endParaRPr lang="en-US" b="1" dirty="0">
               <a:solidFill>
                 <a:schemeClr val="bg1"/>
@@ -4577,12 +4609,10 @@
             </a:endParaRPr>
           </a:p>
           <a:p>
-            <a:pPr marL="342900" indent="-342900" algn="l">
+            <a:pPr algn="l">
               <a:lnSpc>
                 <a:spcPct val="60000"/>
               </a:lnSpc>
-              <a:buFont typeface="Wingdings" panose="05000000000000000000" pitchFamily="2" charset="2"/>
-              <a:buChar char="§"/>
             </a:pPr>
             <a:endParaRPr lang="en-US" sz="4000" b="1" dirty="0">
               <a:solidFill>
@@ -5419,6 +5449,103 @@
                                   </p:childTnLst>
                                 </p:cTn>
                               </p:par>
+                              <p:par>
+                                <p:cTn id="47" presetID="53" presetClass="entr" presetSubtype="16" fill="hold" grpId="0" nodeType="withEffect">
+                                  <p:stCondLst>
+                                    <p:cond delay="0"/>
+                                  </p:stCondLst>
+                                  <p:childTnLst>
+                                    <p:set>
+                                      <p:cBhvr>
+                                        <p:cTn id="48" dur="1" fill="hold">
+                                          <p:stCondLst>
+                                            <p:cond delay="0"/>
+                                          </p:stCondLst>
+                                        </p:cTn>
+                                        <p:tgtEl>
+                                          <p:spTgt spid="3">
+                                            <p:txEl>
+                                              <p:pRg st="10" end="10"/>
+                                            </p:txEl>
+                                          </p:spTgt>
+                                        </p:tgtEl>
+                                        <p:attrNameLst>
+                                          <p:attrName>style.visibility</p:attrName>
+                                        </p:attrNameLst>
+                                      </p:cBhvr>
+                                      <p:to>
+                                        <p:strVal val="visible"/>
+                                      </p:to>
+                                    </p:set>
+                                    <p:anim calcmode="lin" valueType="num">
+                                      <p:cBhvr>
+                                        <p:cTn id="49" dur="500" fill="hold"/>
+                                        <p:tgtEl>
+                                          <p:spTgt spid="3">
+                                            <p:txEl>
+                                              <p:pRg st="10" end="10"/>
+                                            </p:txEl>
+                                          </p:spTgt>
+                                        </p:tgtEl>
+                                        <p:attrNameLst>
+                                          <p:attrName>ppt_w</p:attrName>
+                                        </p:attrNameLst>
+                                      </p:cBhvr>
+                                      <p:tavLst>
+                                        <p:tav tm="0">
+                                          <p:val>
+                                            <p:fltVal val="0"/>
+                                          </p:val>
+                                        </p:tav>
+                                        <p:tav tm="100000">
+                                          <p:val>
+                                            <p:strVal val="#ppt_w"/>
+                                          </p:val>
+                                        </p:tav>
+                                      </p:tavLst>
+                                    </p:anim>
+                                    <p:anim calcmode="lin" valueType="num">
+                                      <p:cBhvr>
+                                        <p:cTn id="50" dur="500" fill="hold"/>
+                                        <p:tgtEl>
+                                          <p:spTgt spid="3">
+                                            <p:txEl>
+                                              <p:pRg st="10" end="10"/>
+                                            </p:txEl>
+                                          </p:spTgt>
+                                        </p:tgtEl>
+                                        <p:attrNameLst>
+                                          <p:attrName>ppt_h</p:attrName>
+                                        </p:attrNameLst>
+                                      </p:cBhvr>
+                                      <p:tavLst>
+                                        <p:tav tm="0">
+                                          <p:val>
+                                            <p:fltVal val="0"/>
+                                          </p:val>
+                                        </p:tav>
+                                        <p:tav tm="100000">
+                                          <p:val>
+                                            <p:strVal val="#ppt_h"/>
+                                          </p:val>
+                                        </p:tav>
+                                      </p:tavLst>
+                                    </p:anim>
+                                    <p:animEffect transition="in" filter="fade">
+                                      <p:cBhvr>
+                                        <p:cTn id="51" dur="500"/>
+                                        <p:tgtEl>
+                                          <p:spTgt spid="3">
+                                            <p:txEl>
+                                              <p:pRg st="10" end="10"/>
+                                            </p:txEl>
+                                          </p:spTgt>
+                                        </p:tgtEl>
+                                      </p:cBhvr>
+                                    </p:animEffect>
+                                  </p:childTnLst>
+                                </p:cTn>
+                              </p:par>
                             </p:childTnLst>
                           </p:cTn>
                         </p:par>
